--- a/C#Basic/C#编程基础.pptx
+++ b/C#Basic/C#编程基础.pptx
@@ -4,6 +4,10 @@
   <p:sldMasterIdLst>
     <p:sldMasterId id="2147483648" r:id="rId1"/>
   </p:sldMasterIdLst>
+  <p:sldIdLst>
+    <p:sldId id="256" r:id="rId2"/>
+    <p:sldId id="257" r:id="rId3"/>
+  </p:sldIdLst>
   <p:sldSz cx="9144000" cy="6858000" type="screen4x3"/>
   <p:notesSz cx="6858000" cy="9144000"/>
   <p:defaultTextStyle>
@@ -285,7 +289,8 @@
           <a:p>
             <a:fld id="{530820CF-B880-4189-942D-D702A7CBA730}" type="datetimeFigureOut">
               <a:rPr lang="zh-CN" altLang="en-US" smtClean="0"/>
-              <a:t>2006-9-7</a:t>
+              <a:pPr/>
+              <a:t>2018/10/2</a:t>
             </a:fld>
             <a:endParaRPr lang="zh-CN" altLang="en-US"/>
           </a:p>
@@ -327,6 +332,7 @@
           <a:p>
             <a:fld id="{0C913308-F349-4B6D-A68A-DD1791B4A57B}" type="slidenum">
               <a:rPr lang="zh-CN" altLang="en-US" smtClean="0"/>
+              <a:pPr/>
               <a:t>‹#›</a:t>
             </a:fld>
             <a:endParaRPr lang="zh-CN" altLang="en-US"/>
@@ -450,7 +456,8 @@
           <a:p>
             <a:fld id="{530820CF-B880-4189-942D-D702A7CBA730}" type="datetimeFigureOut">
               <a:rPr lang="zh-CN" altLang="en-US" smtClean="0"/>
-              <a:t>2006-9-7</a:t>
+              <a:pPr/>
+              <a:t>2018/10/2</a:t>
             </a:fld>
             <a:endParaRPr lang="zh-CN" altLang="en-US"/>
           </a:p>
@@ -492,6 +499,7 @@
           <a:p>
             <a:fld id="{0C913308-F349-4B6D-A68A-DD1791B4A57B}" type="slidenum">
               <a:rPr lang="zh-CN" altLang="en-US" smtClean="0"/>
+              <a:pPr/>
               <a:t>‹#›</a:t>
             </a:fld>
             <a:endParaRPr lang="zh-CN" altLang="en-US"/>
@@ -625,7 +633,8 @@
           <a:p>
             <a:fld id="{530820CF-B880-4189-942D-D702A7CBA730}" type="datetimeFigureOut">
               <a:rPr lang="zh-CN" altLang="en-US" smtClean="0"/>
-              <a:t>2006-9-7</a:t>
+              <a:pPr/>
+              <a:t>2018/10/2</a:t>
             </a:fld>
             <a:endParaRPr lang="zh-CN" altLang="en-US"/>
           </a:p>
@@ -667,6 +676,7 @@
           <a:p>
             <a:fld id="{0C913308-F349-4B6D-A68A-DD1791B4A57B}" type="slidenum">
               <a:rPr lang="zh-CN" altLang="en-US" smtClean="0"/>
+              <a:pPr/>
               <a:t>‹#›</a:t>
             </a:fld>
             <a:endParaRPr lang="zh-CN" altLang="en-US"/>
@@ -790,7 +800,8 @@
           <a:p>
             <a:fld id="{530820CF-B880-4189-942D-D702A7CBA730}" type="datetimeFigureOut">
               <a:rPr lang="zh-CN" altLang="en-US" smtClean="0"/>
-              <a:t>2006-9-7</a:t>
+              <a:pPr/>
+              <a:t>2018/10/2</a:t>
             </a:fld>
             <a:endParaRPr lang="zh-CN" altLang="en-US"/>
           </a:p>
@@ -832,6 +843,7 @@
           <a:p>
             <a:fld id="{0C913308-F349-4B6D-A68A-DD1791B4A57B}" type="slidenum">
               <a:rPr lang="zh-CN" altLang="en-US" smtClean="0"/>
+              <a:pPr/>
               <a:t>‹#›</a:t>
             </a:fld>
             <a:endParaRPr lang="zh-CN" altLang="en-US"/>
@@ -1031,7 +1043,8 @@
           <a:p>
             <a:fld id="{530820CF-B880-4189-942D-D702A7CBA730}" type="datetimeFigureOut">
               <a:rPr lang="zh-CN" altLang="en-US" smtClean="0"/>
-              <a:t>2006-9-7</a:t>
+              <a:pPr/>
+              <a:t>2018/10/2</a:t>
             </a:fld>
             <a:endParaRPr lang="zh-CN" altLang="en-US"/>
           </a:p>
@@ -1073,6 +1086,7 @@
           <a:p>
             <a:fld id="{0C913308-F349-4B6D-A68A-DD1791B4A57B}" type="slidenum">
               <a:rPr lang="zh-CN" altLang="en-US" smtClean="0"/>
+              <a:pPr/>
               <a:t>‹#›</a:t>
             </a:fld>
             <a:endParaRPr lang="zh-CN" altLang="en-US"/>
@@ -1314,7 +1328,8 @@
           <a:p>
             <a:fld id="{530820CF-B880-4189-942D-D702A7CBA730}" type="datetimeFigureOut">
               <a:rPr lang="zh-CN" altLang="en-US" smtClean="0"/>
-              <a:t>2006-9-7</a:t>
+              <a:pPr/>
+              <a:t>2018/10/2</a:t>
             </a:fld>
             <a:endParaRPr lang="zh-CN" altLang="en-US"/>
           </a:p>
@@ -1356,6 +1371,7 @@
           <a:p>
             <a:fld id="{0C913308-F349-4B6D-A68A-DD1791B4A57B}" type="slidenum">
               <a:rPr lang="zh-CN" altLang="en-US" smtClean="0"/>
+              <a:pPr/>
               <a:t>‹#›</a:t>
             </a:fld>
             <a:endParaRPr lang="zh-CN" altLang="en-US"/>
@@ -1731,7 +1747,8 @@
           <a:p>
             <a:fld id="{530820CF-B880-4189-942D-D702A7CBA730}" type="datetimeFigureOut">
               <a:rPr lang="zh-CN" altLang="en-US" smtClean="0"/>
-              <a:t>2006-9-7</a:t>
+              <a:pPr/>
+              <a:t>2018/10/2</a:t>
             </a:fld>
             <a:endParaRPr lang="zh-CN" altLang="en-US"/>
           </a:p>
@@ -1773,6 +1790,7 @@
           <a:p>
             <a:fld id="{0C913308-F349-4B6D-A68A-DD1791B4A57B}" type="slidenum">
               <a:rPr lang="zh-CN" altLang="en-US" smtClean="0"/>
+              <a:pPr/>
               <a:t>‹#›</a:t>
             </a:fld>
             <a:endParaRPr lang="zh-CN" altLang="en-US"/>
@@ -1844,7 +1862,8 @@
           <a:p>
             <a:fld id="{530820CF-B880-4189-942D-D702A7CBA730}" type="datetimeFigureOut">
               <a:rPr lang="zh-CN" altLang="en-US" smtClean="0"/>
-              <a:t>2006-9-7</a:t>
+              <a:pPr/>
+              <a:t>2018/10/2</a:t>
             </a:fld>
             <a:endParaRPr lang="zh-CN" altLang="en-US"/>
           </a:p>
@@ -1886,6 +1905,7 @@
           <a:p>
             <a:fld id="{0C913308-F349-4B6D-A68A-DD1791B4A57B}" type="slidenum">
               <a:rPr lang="zh-CN" altLang="en-US" smtClean="0"/>
+              <a:pPr/>
               <a:t>‹#›</a:t>
             </a:fld>
             <a:endParaRPr lang="zh-CN" altLang="en-US"/>
@@ -1934,7 +1954,8 @@
           <a:p>
             <a:fld id="{530820CF-B880-4189-942D-D702A7CBA730}" type="datetimeFigureOut">
               <a:rPr lang="zh-CN" altLang="en-US" smtClean="0"/>
-              <a:t>2006-9-7</a:t>
+              <a:pPr/>
+              <a:t>2018/10/2</a:t>
             </a:fld>
             <a:endParaRPr lang="zh-CN" altLang="en-US"/>
           </a:p>
@@ -1976,6 +1997,7 @@
           <a:p>
             <a:fld id="{0C913308-F349-4B6D-A68A-DD1791B4A57B}" type="slidenum">
               <a:rPr lang="zh-CN" altLang="en-US" smtClean="0"/>
+              <a:pPr/>
               <a:t>‹#›</a:t>
             </a:fld>
             <a:endParaRPr lang="zh-CN" altLang="en-US"/>
@@ -2206,7 +2228,8 @@
           <a:p>
             <a:fld id="{530820CF-B880-4189-942D-D702A7CBA730}" type="datetimeFigureOut">
               <a:rPr lang="zh-CN" altLang="en-US" smtClean="0"/>
-              <a:t>2006-9-7</a:t>
+              <a:pPr/>
+              <a:t>2018/10/2</a:t>
             </a:fld>
             <a:endParaRPr lang="zh-CN" altLang="en-US"/>
           </a:p>
@@ -2248,6 +2271,7 @@
           <a:p>
             <a:fld id="{0C913308-F349-4B6D-A68A-DD1791B4A57B}" type="slidenum">
               <a:rPr lang="zh-CN" altLang="en-US" smtClean="0"/>
+              <a:pPr/>
               <a:t>‹#›</a:t>
             </a:fld>
             <a:endParaRPr lang="zh-CN" altLang="en-US"/>
@@ -2454,7 +2478,8 @@
           <a:p>
             <a:fld id="{530820CF-B880-4189-942D-D702A7CBA730}" type="datetimeFigureOut">
               <a:rPr lang="zh-CN" altLang="en-US" smtClean="0"/>
-              <a:t>2006-9-7</a:t>
+              <a:pPr/>
+              <a:t>2018/10/2</a:t>
             </a:fld>
             <a:endParaRPr lang="zh-CN" altLang="en-US"/>
           </a:p>
@@ -2496,6 +2521,7 @@
           <a:p>
             <a:fld id="{0C913308-F349-4B6D-A68A-DD1791B4A57B}" type="slidenum">
               <a:rPr lang="zh-CN" altLang="en-US" smtClean="0"/>
+              <a:pPr/>
               <a:t>‹#›</a:t>
             </a:fld>
             <a:endParaRPr lang="zh-CN" altLang="en-US"/>
@@ -2662,7 +2688,8 @@
           <a:p>
             <a:fld id="{530820CF-B880-4189-942D-D702A7CBA730}" type="datetimeFigureOut">
               <a:rPr lang="zh-CN" altLang="en-US" smtClean="0"/>
-              <a:t>2006-9-7</a:t>
+              <a:pPr/>
+              <a:t>2018/10/2</a:t>
             </a:fld>
             <a:endParaRPr lang="zh-CN" altLang="en-US"/>
           </a:p>
@@ -2740,6 +2767,7 @@
           <a:p>
             <a:fld id="{0C913308-F349-4B6D-A68A-DD1791B4A57B}" type="slidenum">
               <a:rPr lang="zh-CN" altLang="en-US" smtClean="0"/>
+              <a:pPr/>
               <a:t>‹#›</a:t>
             </a:fld>
             <a:endParaRPr lang="zh-CN" altLang="en-US"/>
@@ -3013,6 +3041,182 @@
     </p:otherStyle>
   </p:txStyles>
 </p:sldMaster>
+</file>
+
+<file path=ppt/slides/slide1.xml><?xml version="1.0" encoding="utf-8"?>
+<p:sld xmlns:a="http://schemas.openxmlformats.org/drawingml/2006/main" xmlns:r="http://schemas.openxmlformats.org/officeDocument/2006/relationships" xmlns:p="http://schemas.openxmlformats.org/presentationml/2006/main">
+  <p:cSld>
+    <p:spTree>
+      <p:nvGrpSpPr>
+        <p:cNvPr id="1" name=""/>
+        <p:cNvGrpSpPr/>
+        <p:nvPr/>
+      </p:nvGrpSpPr>
+      <p:grpSpPr>
+        <a:xfrm>
+          <a:off x="0" y="0"/>
+          <a:ext cx="0" cy="0"/>
+          <a:chOff x="0" y="0"/>
+          <a:chExt cx="0" cy="0"/>
+        </a:xfrm>
+      </p:grpSpPr>
+      <p:sp>
+        <p:nvSpPr>
+          <p:cNvPr id="4" name="标题 3"/>
+          <p:cNvSpPr>
+            <a:spLocks noGrp="1"/>
+          </p:cNvSpPr>
+          <p:nvPr>
+            <p:ph type="title"/>
+          </p:nvPr>
+        </p:nvSpPr>
+        <p:spPr/>
+        <p:txBody>
+          <a:bodyPr>
+            <a:noAutofit/>
+          </a:bodyPr>
+          <a:lstStyle/>
+          <a:p>
+            <a:r>
+              <a:rPr lang="en-US" altLang="zh-CN" sz="3600" dirty="0" smtClean="0"/>
+              <a:t>C#</a:t>
+            </a:r>
+            <a:r>
+              <a:rPr lang="zh-CN" altLang="en-US" sz="3600" dirty="0" smtClean="0"/>
+              <a:t>编程</a:t>
+            </a:r>
+            <a:r>
+              <a:rPr lang="zh-CN" altLang="en-US" sz="3600" dirty="0" smtClean="0"/>
+              <a:t>基础</a:t>
+            </a:r>
+            <a:endParaRPr lang="zh-CN" altLang="en-US" sz="3600" dirty="0"/>
+          </a:p>
+        </p:txBody>
+      </p:sp>
+      <p:pic>
+        <p:nvPicPr>
+          <p:cNvPr id="8" name="图片占位符 7" descr="编程入口.jpg"/>
+          <p:cNvPicPr>
+            <a:picLocks noGrp="1" noChangeAspect="1"/>
+          </p:cNvPicPr>
+          <p:nvPr>
+            <p:ph type="pic" idx="1"/>
+          </p:nvPr>
+        </p:nvPicPr>
+        <p:blipFill>
+          <a:blip r:embed="rId2"/>
+          <a:srcRect l="5214" r="5214"/>
+          <a:stretch>
+            <a:fillRect/>
+          </a:stretch>
+        </p:blipFill>
+        <p:spPr/>
+      </p:pic>
+    </p:spTree>
+  </p:cSld>
+  <p:clrMapOvr>
+    <a:masterClrMapping/>
+  </p:clrMapOvr>
+  <p:timing>
+    <p:tnLst>
+      <p:par>
+        <p:cTn id="1" dur="indefinite" restart="never" nodeType="tmRoot"/>
+      </p:par>
+    </p:tnLst>
+  </p:timing>
+</p:sld>
+</file>
+
+<file path=ppt/slides/slide2.xml><?xml version="1.0" encoding="utf-8"?>
+<p:sld xmlns:a="http://schemas.openxmlformats.org/drawingml/2006/main" xmlns:r="http://schemas.openxmlformats.org/officeDocument/2006/relationships" xmlns:p="http://schemas.openxmlformats.org/presentationml/2006/main">
+  <p:cSld>
+    <p:spTree>
+      <p:nvGrpSpPr>
+        <p:cNvPr id="1" name=""/>
+        <p:cNvGrpSpPr/>
+        <p:nvPr/>
+      </p:nvGrpSpPr>
+      <p:grpSpPr>
+        <a:xfrm>
+          <a:off x="0" y="0"/>
+          <a:ext cx="0" cy="0"/>
+          <a:chOff x="0" y="0"/>
+          <a:chExt cx="0" cy="0"/>
+        </a:xfrm>
+      </p:grpSpPr>
+      <p:sp>
+        <p:nvSpPr>
+          <p:cNvPr id="5" name="标题 4"/>
+          <p:cNvSpPr>
+            <a:spLocks noGrp="1"/>
+          </p:cNvSpPr>
+          <p:nvPr>
+            <p:ph type="title"/>
+          </p:nvPr>
+        </p:nvSpPr>
+        <p:spPr/>
+        <p:txBody>
+          <a:bodyPr/>
+          <a:lstStyle/>
+          <a:p>
+            <a:pPr algn="l"/>
+            <a:r>
+              <a:rPr lang="zh-CN" altLang="en-US" dirty="0" smtClean="0"/>
+              <a:t>学习</a:t>
+            </a:r>
+            <a:r>
+              <a:rPr lang="en-US" altLang="zh-CN" dirty="0" smtClean="0"/>
+              <a:t>.NET</a:t>
+            </a:r>
+            <a:r>
+              <a:rPr lang="zh-CN" altLang="en-US" dirty="0" smtClean="0"/>
+              <a:t>开发框架</a:t>
+            </a:r>
+            <a:endParaRPr lang="zh-CN" altLang="en-US" dirty="0"/>
+          </a:p>
+        </p:txBody>
+      </p:sp>
+      <p:pic>
+        <p:nvPicPr>
+          <p:cNvPr id="1026" name="Picture 2"/>
+          <p:cNvPicPr>
+            <a:picLocks noGrp="1" noChangeAspect="1" noChangeArrowheads="1"/>
+          </p:cNvPicPr>
+          <p:nvPr>
+            <p:ph idx="1"/>
+          </p:nvPr>
+        </p:nvPicPr>
+        <p:blipFill>
+          <a:blip r:embed="rId2"/>
+          <a:srcRect/>
+          <a:stretch>
+            <a:fillRect/>
+          </a:stretch>
+        </p:blipFill>
+        <p:spPr bwMode="auto">
+          <a:xfrm>
+            <a:off x="1866900" y="1967706"/>
+            <a:ext cx="5410200" cy="3790950"/>
+          </a:xfrm>
+          <a:prstGeom prst="rect">
+            <a:avLst/>
+          </a:prstGeom>
+          <a:noFill/>
+          <a:ln w="9525">
+            <a:noFill/>
+            <a:miter lim="800000"/>
+            <a:headEnd/>
+            <a:tailEnd/>
+          </a:ln>
+          <a:effectLst/>
+        </p:spPr>
+      </p:pic>
+    </p:spTree>
+  </p:cSld>
+  <p:clrMapOvr>
+    <a:masterClrMapping/>
+  </p:clrMapOvr>
+</p:sld>
 </file>
 
 <file path=ppt/theme/theme1.xml><?xml version="1.0" encoding="utf-8"?>

--- a/C#Basic/C#编程基础.pptx
+++ b/C#Basic/C#编程基础.pptx
@@ -7,6 +7,8 @@
   <p:sldIdLst>
     <p:sldId id="256" r:id="rId2"/>
     <p:sldId id="257" r:id="rId3"/>
+    <p:sldId id="258" r:id="rId4"/>
+    <p:sldId id="259" r:id="rId5"/>
   </p:sldIdLst>
   <p:sldSz cx="9144000" cy="6858000" type="screen4x3"/>
   <p:notesSz cx="6858000" cy="9144000"/>
@@ -3083,11 +3085,7 @@
             </a:r>
             <a:r>
               <a:rPr lang="zh-CN" altLang="en-US" sz="3600" dirty="0" smtClean="0"/>
-              <a:t>编程</a:t>
-            </a:r>
-            <a:r>
-              <a:rPr lang="zh-CN" altLang="en-US" sz="3600" dirty="0" smtClean="0"/>
-              <a:t>基础</a:t>
+              <a:t>编程基础</a:t>
             </a:r>
             <a:endParaRPr lang="zh-CN" altLang="en-US" sz="3600" dirty="0"/>
           </a:p>
@@ -3161,16 +3159,16 @@
           <a:p>
             <a:pPr algn="l"/>
             <a:r>
-              <a:rPr lang="zh-CN" altLang="en-US" dirty="0" smtClean="0"/>
-              <a:t>学习</a:t>
-            </a:r>
-            <a:r>
               <a:rPr lang="en-US" altLang="zh-CN" dirty="0" smtClean="0"/>
               <a:t>.NET</a:t>
             </a:r>
             <a:r>
               <a:rPr lang="zh-CN" altLang="en-US" dirty="0" smtClean="0"/>
-              <a:t>开发框架</a:t>
+              <a:t>整体开发</a:t>
+            </a:r>
+            <a:r>
+              <a:rPr lang="zh-CN" altLang="en-US" dirty="0" smtClean="0"/>
+              <a:t>框架</a:t>
             </a:r>
             <a:endParaRPr lang="zh-CN" altLang="en-US" dirty="0"/>
           </a:p>
@@ -3197,6 +3195,271 @@
           <a:xfrm>
             <a:off x="1866900" y="1967706"/>
             <a:ext cx="5410200" cy="3790950"/>
+          </a:xfrm>
+          <a:prstGeom prst="rect">
+            <a:avLst/>
+          </a:prstGeom>
+          <a:noFill/>
+          <a:ln w="9525">
+            <a:noFill/>
+            <a:miter lim="800000"/>
+            <a:headEnd/>
+            <a:tailEnd/>
+          </a:ln>
+          <a:effectLst/>
+        </p:spPr>
+      </p:pic>
+    </p:spTree>
+  </p:cSld>
+  <p:clrMapOvr>
+    <a:masterClrMapping/>
+  </p:clrMapOvr>
+</p:sld>
+</file>
+
+<file path=ppt/slides/slide3.xml><?xml version="1.0" encoding="utf-8"?>
+<p:sld xmlns:a="http://schemas.openxmlformats.org/drawingml/2006/main" xmlns:r="http://schemas.openxmlformats.org/officeDocument/2006/relationships" xmlns:p="http://schemas.openxmlformats.org/presentationml/2006/main">
+  <p:cSld>
+    <p:spTree>
+      <p:nvGrpSpPr>
+        <p:cNvPr id="1" name=""/>
+        <p:cNvGrpSpPr/>
+        <p:nvPr/>
+      </p:nvGrpSpPr>
+      <p:grpSpPr>
+        <a:xfrm>
+          <a:off x="0" y="0"/>
+          <a:ext cx="0" cy="0"/>
+          <a:chOff x="0" y="0"/>
+          <a:chExt cx="0" cy="0"/>
+        </a:xfrm>
+      </p:grpSpPr>
+      <p:sp>
+        <p:nvSpPr>
+          <p:cNvPr id="2" name="标题 1"/>
+          <p:cNvSpPr>
+            <a:spLocks noGrp="1"/>
+          </p:cNvSpPr>
+          <p:nvPr>
+            <p:ph type="title"/>
+          </p:nvPr>
+        </p:nvSpPr>
+        <p:spPr/>
+        <p:txBody>
+          <a:bodyPr/>
+          <a:lstStyle/>
+          <a:p>
+            <a:pPr algn="l"/>
+            <a:r>
+              <a:rPr lang="zh-CN" altLang="en-US" dirty="0" smtClean="0"/>
+              <a:t>学习</a:t>
+            </a:r>
+            <a:r>
+              <a:rPr lang="en-US" altLang="zh-CN" dirty="0" smtClean="0"/>
+              <a:t>FCL</a:t>
+            </a:r>
+            <a:endParaRPr lang="zh-CN" altLang="en-US" dirty="0"/>
+          </a:p>
+        </p:txBody>
+      </p:sp>
+      <p:sp>
+        <p:nvSpPr>
+          <p:cNvPr id="3" name="内容占位符 2"/>
+          <p:cNvSpPr>
+            <a:spLocks noGrp="1"/>
+          </p:cNvSpPr>
+          <p:nvPr>
+            <p:ph idx="1"/>
+          </p:nvPr>
+        </p:nvSpPr>
+        <p:spPr/>
+        <p:txBody>
+          <a:bodyPr/>
+          <a:lstStyle/>
+          <a:p>
+            <a:pPr latinLnBrk="1"/>
+            <a:r>
+              <a:rPr lang="zh-CN" altLang="en-US" dirty="0" smtClean="0"/>
+              <a:t>直接在</a:t>
+            </a:r>
+            <a:r>
+              <a:rPr lang="en-US" altLang="zh-CN" dirty="0" smtClean="0"/>
+              <a:t>MSDN</a:t>
+            </a:r>
+            <a:r>
+              <a:rPr lang="zh-CN" altLang="en-US" dirty="0" smtClean="0"/>
+              <a:t>输入</a:t>
+            </a:r>
+            <a:r>
+              <a:rPr lang="en-US" altLang="zh-CN" dirty="0" smtClean="0"/>
+              <a:t>Namespace</a:t>
+            </a:r>
+            <a:r>
+              <a:rPr lang="zh-CN" altLang="en-US" dirty="0" smtClean="0"/>
+              <a:t>搜索可以快速了解</a:t>
+            </a:r>
+            <a:r>
+              <a:rPr lang="en-US" altLang="zh-CN" dirty="0" smtClean="0"/>
+              <a:t>FCL</a:t>
+            </a:r>
+            <a:r>
+              <a:rPr lang="zh-CN" altLang="en-US" dirty="0" smtClean="0"/>
+              <a:t>类库。</a:t>
+            </a:r>
+            <a:endParaRPr lang="en-US" altLang="zh-CN" dirty="0" smtClean="0"/>
+          </a:p>
+          <a:p>
+            <a:pPr latinLnBrk="1"/>
+            <a:r>
+              <a:rPr lang="zh-CN" altLang="en-US" dirty="0" smtClean="0"/>
+              <a:t>或是登录</a:t>
+            </a:r>
+            <a:r>
+              <a:rPr lang="en-US" altLang="zh-CN" dirty="0" smtClean="0"/>
+              <a:t>MSDN，</a:t>
+            </a:r>
+            <a:r>
+              <a:rPr lang="zh-CN" altLang="en-US" dirty="0" smtClean="0"/>
+              <a:t>检索</a:t>
+            </a:r>
+            <a:r>
+              <a:rPr lang="en-US" altLang="zh-CN" dirty="0" smtClean="0"/>
+              <a:t>.NET </a:t>
+            </a:r>
+            <a:r>
+              <a:rPr lang="en-US" altLang="zh-CN" dirty="0" err="1" smtClean="0"/>
+              <a:t>FrameworkAPI</a:t>
+            </a:r>
+            <a:r>
+              <a:rPr lang="zh-CN" altLang="en-US" dirty="0" smtClean="0"/>
+              <a:t>。</a:t>
+            </a:r>
+            <a:endParaRPr lang="en-US" altLang="zh-CN" dirty="0" smtClean="0"/>
+          </a:p>
+          <a:p>
+            <a:pPr latinLnBrk="1">
+              <a:buNone/>
+            </a:pPr>
+            <a:r>
+              <a:rPr lang="en-US" altLang="zh-CN" dirty="0" smtClean="0"/>
+              <a:t>https://</a:t>
+            </a:r>
+            <a:r>
+              <a:rPr lang="en-US" altLang="zh-CN" dirty="0" smtClean="0"/>
+              <a:t>docs.microsoft.com/zh-cn/dotnet/api</a:t>
+            </a:r>
+            <a:r>
+              <a:rPr lang="en-US" altLang="zh-CN" dirty="0" smtClean="0"/>
+              <a:t>/?view=netframework-4.7.2</a:t>
+            </a:r>
+            <a:endParaRPr lang="zh-CN" altLang="en-US" dirty="0"/>
+          </a:p>
+        </p:txBody>
+      </p:sp>
+    </p:spTree>
+  </p:cSld>
+  <p:clrMapOvr>
+    <a:masterClrMapping/>
+  </p:clrMapOvr>
+</p:sld>
+</file>
+
+<file path=ppt/slides/slide4.xml><?xml version="1.0" encoding="utf-8"?>
+<p:sld xmlns:a="http://schemas.openxmlformats.org/drawingml/2006/main" xmlns:r="http://schemas.openxmlformats.org/officeDocument/2006/relationships" xmlns:p="http://schemas.openxmlformats.org/presentationml/2006/main">
+  <p:cSld>
+    <p:spTree>
+      <p:nvGrpSpPr>
+        <p:cNvPr id="1" name=""/>
+        <p:cNvGrpSpPr/>
+        <p:nvPr/>
+      </p:nvGrpSpPr>
+      <p:grpSpPr>
+        <a:xfrm>
+          <a:off x="0" y="0"/>
+          <a:ext cx="0" cy="0"/>
+          <a:chOff x="0" y="0"/>
+          <a:chExt cx="0" cy="0"/>
+        </a:xfrm>
+      </p:grpSpPr>
+      <p:sp>
+        <p:nvSpPr>
+          <p:cNvPr id="2" name="标题 1"/>
+          <p:cNvSpPr>
+            <a:spLocks noGrp="1"/>
+          </p:cNvSpPr>
+          <p:nvPr>
+            <p:ph type="title"/>
+          </p:nvPr>
+        </p:nvSpPr>
+        <p:spPr/>
+        <p:txBody>
+          <a:bodyPr/>
+          <a:lstStyle/>
+          <a:p>
+            <a:pPr algn="l"/>
+            <a:r>
+              <a:rPr lang="zh-CN" altLang="en-US" dirty="0" smtClean="0"/>
+              <a:t>学习</a:t>
+            </a:r>
+            <a:r>
+              <a:rPr lang="en-US" altLang="zh-CN" dirty="0" smtClean="0"/>
+              <a:t>FCL</a:t>
+            </a:r>
+            <a:endParaRPr lang="zh-CN" altLang="en-US" dirty="0"/>
+          </a:p>
+        </p:txBody>
+      </p:sp>
+      <p:sp>
+        <p:nvSpPr>
+          <p:cNvPr id="3" name="内容占位符 2"/>
+          <p:cNvSpPr>
+            <a:spLocks noGrp="1"/>
+          </p:cNvSpPr>
+          <p:nvPr>
+            <p:ph idx="1"/>
+          </p:nvPr>
+        </p:nvSpPr>
+        <p:spPr>
+          <a:xfrm>
+            <a:off x="457200" y="1600201"/>
+            <a:ext cx="8229600" cy="1185858"/>
+          </a:xfrm>
+        </p:spPr>
+        <p:txBody>
+          <a:bodyPr/>
+          <a:lstStyle/>
+          <a:p>
+            <a:r>
+              <a:rPr lang="zh-CN" altLang="en-US" smtClean="0"/>
+              <a:t>快速浏览，</a:t>
+            </a:r>
+            <a:r>
+              <a:rPr lang="zh-CN" altLang="en-US" dirty="0" smtClean="0"/>
+              <a:t>了解各个程序集功能。</a:t>
+            </a:r>
+            <a:endParaRPr lang="zh-CN" altLang="en-US" dirty="0"/>
+          </a:p>
+        </p:txBody>
+      </p:sp>
+      <p:pic>
+        <p:nvPicPr>
+          <p:cNvPr id="1026" name="Picture 2"/>
+          <p:cNvPicPr>
+            <a:picLocks noChangeAspect="1" noChangeArrowheads="1"/>
+          </p:cNvPicPr>
+          <p:nvPr/>
+        </p:nvPicPr>
+        <p:blipFill>
+          <a:blip r:embed="rId2"/>
+          <a:srcRect/>
+          <a:stretch>
+            <a:fillRect/>
+          </a:stretch>
+        </p:blipFill>
+        <p:spPr bwMode="auto">
+          <a:xfrm>
+            <a:off x="357159" y="2714621"/>
+            <a:ext cx="8325222" cy="3571900"/>
           </a:xfrm>
           <a:prstGeom prst="rect">
             <a:avLst/>

--- a/C#Basic/C#编程基础.pptx
+++ b/C#Basic/C#编程基础.pptx
@@ -9,6 +9,17 @@
     <p:sldId id="257" r:id="rId3"/>
     <p:sldId id="258" r:id="rId4"/>
     <p:sldId id="259" r:id="rId5"/>
+    <p:sldId id="260" r:id="rId6"/>
+    <p:sldId id="261" r:id="rId7"/>
+    <p:sldId id="262" r:id="rId8"/>
+    <p:sldId id="263" r:id="rId9"/>
+    <p:sldId id="264" r:id="rId10"/>
+    <p:sldId id="265" r:id="rId11"/>
+    <p:sldId id="266" r:id="rId12"/>
+    <p:sldId id="267" r:id="rId13"/>
+    <p:sldId id="268" r:id="rId14"/>
+    <p:sldId id="269" r:id="rId15"/>
+    <p:sldId id="270" r:id="rId16"/>
   </p:sldIdLst>
   <p:sldSz cx="9144000" cy="6858000" type="screen4x3"/>
   <p:notesSz cx="6858000" cy="9144000"/>
@@ -292,7 +303,7 @@
             <a:fld id="{530820CF-B880-4189-942D-D702A7CBA730}" type="datetimeFigureOut">
               <a:rPr lang="zh-CN" altLang="en-US" smtClean="0"/>
               <a:pPr/>
-              <a:t>2018/10/2</a:t>
+              <a:t>2018/10/3</a:t>
             </a:fld>
             <a:endParaRPr lang="zh-CN" altLang="en-US"/>
           </a:p>
@@ -459,7 +470,7 @@
             <a:fld id="{530820CF-B880-4189-942D-D702A7CBA730}" type="datetimeFigureOut">
               <a:rPr lang="zh-CN" altLang="en-US" smtClean="0"/>
               <a:pPr/>
-              <a:t>2018/10/2</a:t>
+              <a:t>2018/10/3</a:t>
             </a:fld>
             <a:endParaRPr lang="zh-CN" altLang="en-US"/>
           </a:p>
@@ -636,7 +647,7 @@
             <a:fld id="{530820CF-B880-4189-942D-D702A7CBA730}" type="datetimeFigureOut">
               <a:rPr lang="zh-CN" altLang="en-US" smtClean="0"/>
               <a:pPr/>
-              <a:t>2018/10/2</a:t>
+              <a:t>2018/10/3</a:t>
             </a:fld>
             <a:endParaRPr lang="zh-CN" altLang="en-US"/>
           </a:p>
@@ -803,7 +814,7 @@
             <a:fld id="{530820CF-B880-4189-942D-D702A7CBA730}" type="datetimeFigureOut">
               <a:rPr lang="zh-CN" altLang="en-US" smtClean="0"/>
               <a:pPr/>
-              <a:t>2018/10/2</a:t>
+              <a:t>2018/10/3</a:t>
             </a:fld>
             <a:endParaRPr lang="zh-CN" altLang="en-US"/>
           </a:p>
@@ -1046,7 +1057,7 @@
             <a:fld id="{530820CF-B880-4189-942D-D702A7CBA730}" type="datetimeFigureOut">
               <a:rPr lang="zh-CN" altLang="en-US" smtClean="0"/>
               <a:pPr/>
-              <a:t>2018/10/2</a:t>
+              <a:t>2018/10/3</a:t>
             </a:fld>
             <a:endParaRPr lang="zh-CN" altLang="en-US"/>
           </a:p>
@@ -1331,7 +1342,7 @@
             <a:fld id="{530820CF-B880-4189-942D-D702A7CBA730}" type="datetimeFigureOut">
               <a:rPr lang="zh-CN" altLang="en-US" smtClean="0"/>
               <a:pPr/>
-              <a:t>2018/10/2</a:t>
+              <a:t>2018/10/3</a:t>
             </a:fld>
             <a:endParaRPr lang="zh-CN" altLang="en-US"/>
           </a:p>
@@ -1750,7 +1761,7 @@
             <a:fld id="{530820CF-B880-4189-942D-D702A7CBA730}" type="datetimeFigureOut">
               <a:rPr lang="zh-CN" altLang="en-US" smtClean="0"/>
               <a:pPr/>
-              <a:t>2018/10/2</a:t>
+              <a:t>2018/10/3</a:t>
             </a:fld>
             <a:endParaRPr lang="zh-CN" altLang="en-US"/>
           </a:p>
@@ -1865,7 +1876,7 @@
             <a:fld id="{530820CF-B880-4189-942D-D702A7CBA730}" type="datetimeFigureOut">
               <a:rPr lang="zh-CN" altLang="en-US" smtClean="0"/>
               <a:pPr/>
-              <a:t>2018/10/2</a:t>
+              <a:t>2018/10/3</a:t>
             </a:fld>
             <a:endParaRPr lang="zh-CN" altLang="en-US"/>
           </a:p>
@@ -1957,7 +1968,7 @@
             <a:fld id="{530820CF-B880-4189-942D-D702A7CBA730}" type="datetimeFigureOut">
               <a:rPr lang="zh-CN" altLang="en-US" smtClean="0"/>
               <a:pPr/>
-              <a:t>2018/10/2</a:t>
+              <a:t>2018/10/3</a:t>
             </a:fld>
             <a:endParaRPr lang="zh-CN" altLang="en-US"/>
           </a:p>
@@ -2231,7 +2242,7 @@
             <a:fld id="{530820CF-B880-4189-942D-D702A7CBA730}" type="datetimeFigureOut">
               <a:rPr lang="zh-CN" altLang="en-US" smtClean="0"/>
               <a:pPr/>
-              <a:t>2018/10/2</a:t>
+              <a:t>2018/10/3</a:t>
             </a:fld>
             <a:endParaRPr lang="zh-CN" altLang="en-US"/>
           </a:p>
@@ -2481,7 +2492,7 @@
             <a:fld id="{530820CF-B880-4189-942D-D702A7CBA730}" type="datetimeFigureOut">
               <a:rPr lang="zh-CN" altLang="en-US" smtClean="0"/>
               <a:pPr/>
-              <a:t>2018/10/2</a:t>
+              <a:t>2018/10/3</a:t>
             </a:fld>
             <a:endParaRPr lang="zh-CN" altLang="en-US"/>
           </a:p>
@@ -2691,7 +2702,7 @@
             <a:fld id="{530820CF-B880-4189-942D-D702A7CBA730}" type="datetimeFigureOut">
               <a:rPr lang="zh-CN" altLang="en-US" smtClean="0"/>
               <a:pPr/>
-              <a:t>2018/10/2</a:t>
+              <a:t>2018/10/3</a:t>
             </a:fld>
             <a:endParaRPr lang="zh-CN" altLang="en-US"/>
           </a:p>
@@ -3125,6 +3136,414 @@
 </p:sld>
 </file>
 
+<file path=ppt/slides/slide10.xml><?xml version="1.0" encoding="utf-8"?>
+<p:sld xmlns:a="http://schemas.openxmlformats.org/drawingml/2006/main" xmlns:r="http://schemas.openxmlformats.org/officeDocument/2006/relationships" xmlns:p="http://schemas.openxmlformats.org/presentationml/2006/main">
+  <p:cSld>
+    <p:spTree>
+      <p:nvGrpSpPr>
+        <p:cNvPr id="1" name=""/>
+        <p:cNvGrpSpPr/>
+        <p:nvPr/>
+      </p:nvGrpSpPr>
+      <p:grpSpPr>
+        <a:xfrm>
+          <a:off x="0" y="0"/>
+          <a:ext cx="0" cy="0"/>
+          <a:chOff x="0" y="0"/>
+          <a:chExt cx="0" cy="0"/>
+        </a:xfrm>
+      </p:grpSpPr>
+      <p:sp>
+        <p:nvSpPr>
+          <p:cNvPr id="2" name="标题 1"/>
+          <p:cNvSpPr>
+            <a:spLocks noGrp="1"/>
+          </p:cNvSpPr>
+          <p:nvPr>
+            <p:ph type="title"/>
+          </p:nvPr>
+        </p:nvSpPr>
+        <p:spPr/>
+        <p:txBody>
+          <a:bodyPr/>
+          <a:lstStyle/>
+          <a:p>
+            <a:pPr algn="l"/>
+            <a:r>
+              <a:rPr lang="zh-CN" altLang="en-US" dirty="0" smtClean="0"/>
+              <a:t>属性</a:t>
+            </a:r>
+            <a:endParaRPr lang="zh-CN" altLang="en-US" dirty="0"/>
+          </a:p>
+        </p:txBody>
+      </p:sp>
+      <p:sp>
+        <p:nvSpPr>
+          <p:cNvPr id="3" name="内容占位符 2"/>
+          <p:cNvSpPr>
+            <a:spLocks noGrp="1"/>
+          </p:cNvSpPr>
+          <p:nvPr>
+            <p:ph idx="1"/>
+          </p:nvPr>
+        </p:nvSpPr>
+        <p:spPr/>
+        <p:txBody>
+          <a:bodyPr/>
+          <a:lstStyle/>
+          <a:p>
+            <a:endParaRPr lang="zh-CN" altLang="en-US"/>
+          </a:p>
+        </p:txBody>
+      </p:sp>
+    </p:spTree>
+  </p:cSld>
+  <p:clrMapOvr>
+    <a:masterClrMapping/>
+  </p:clrMapOvr>
+</p:sld>
+</file>
+
+<file path=ppt/slides/slide11.xml><?xml version="1.0" encoding="utf-8"?>
+<p:sld xmlns:a="http://schemas.openxmlformats.org/drawingml/2006/main" xmlns:r="http://schemas.openxmlformats.org/officeDocument/2006/relationships" xmlns:p="http://schemas.openxmlformats.org/presentationml/2006/main">
+  <p:cSld>
+    <p:spTree>
+      <p:nvGrpSpPr>
+        <p:cNvPr id="1" name=""/>
+        <p:cNvGrpSpPr/>
+        <p:nvPr/>
+      </p:nvGrpSpPr>
+      <p:grpSpPr>
+        <a:xfrm>
+          <a:off x="0" y="0"/>
+          <a:ext cx="0" cy="0"/>
+          <a:chOff x="0" y="0"/>
+          <a:chExt cx="0" cy="0"/>
+        </a:xfrm>
+      </p:grpSpPr>
+      <p:sp>
+        <p:nvSpPr>
+          <p:cNvPr id="2" name="标题 1"/>
+          <p:cNvSpPr>
+            <a:spLocks noGrp="1"/>
+          </p:cNvSpPr>
+          <p:nvPr>
+            <p:ph type="title"/>
+          </p:nvPr>
+        </p:nvSpPr>
+        <p:spPr/>
+        <p:txBody>
+          <a:bodyPr/>
+          <a:lstStyle/>
+          <a:p>
+            <a:pPr algn="l"/>
+            <a:r>
+              <a:rPr lang="zh-CN" altLang="en-US" dirty="0" smtClean="0"/>
+              <a:t>事件</a:t>
+            </a:r>
+            <a:endParaRPr lang="zh-CN" altLang="en-US" dirty="0"/>
+          </a:p>
+        </p:txBody>
+      </p:sp>
+      <p:sp>
+        <p:nvSpPr>
+          <p:cNvPr id="3" name="内容占位符 2"/>
+          <p:cNvSpPr>
+            <a:spLocks noGrp="1"/>
+          </p:cNvSpPr>
+          <p:nvPr>
+            <p:ph idx="1"/>
+          </p:nvPr>
+        </p:nvSpPr>
+        <p:spPr/>
+        <p:txBody>
+          <a:bodyPr/>
+          <a:lstStyle/>
+          <a:p>
+            <a:endParaRPr lang="zh-CN" altLang="en-US"/>
+          </a:p>
+        </p:txBody>
+      </p:sp>
+    </p:spTree>
+  </p:cSld>
+  <p:clrMapOvr>
+    <a:masterClrMapping/>
+  </p:clrMapOvr>
+</p:sld>
+</file>
+
+<file path=ppt/slides/slide12.xml><?xml version="1.0" encoding="utf-8"?>
+<p:sld xmlns:a="http://schemas.openxmlformats.org/drawingml/2006/main" xmlns:r="http://schemas.openxmlformats.org/officeDocument/2006/relationships" xmlns:p="http://schemas.openxmlformats.org/presentationml/2006/main">
+  <p:cSld>
+    <p:spTree>
+      <p:nvGrpSpPr>
+        <p:cNvPr id="1" name=""/>
+        <p:cNvGrpSpPr/>
+        <p:nvPr/>
+      </p:nvGrpSpPr>
+      <p:grpSpPr>
+        <a:xfrm>
+          <a:off x="0" y="0"/>
+          <a:ext cx="0" cy="0"/>
+          <a:chOff x="0" y="0"/>
+          <a:chExt cx="0" cy="0"/>
+        </a:xfrm>
+      </p:grpSpPr>
+      <p:sp>
+        <p:nvSpPr>
+          <p:cNvPr id="2" name="标题 1"/>
+          <p:cNvSpPr>
+            <a:spLocks noGrp="1"/>
+          </p:cNvSpPr>
+          <p:nvPr>
+            <p:ph type="title"/>
+          </p:nvPr>
+        </p:nvSpPr>
+        <p:spPr/>
+        <p:txBody>
+          <a:bodyPr/>
+          <a:lstStyle/>
+          <a:p>
+            <a:pPr algn="l"/>
+            <a:r>
+              <a:rPr lang="zh-CN" altLang="en-US" dirty="0" smtClean="0"/>
+              <a:t>接口</a:t>
+            </a:r>
+            <a:endParaRPr lang="zh-CN" altLang="en-US" dirty="0"/>
+          </a:p>
+        </p:txBody>
+      </p:sp>
+      <p:sp>
+        <p:nvSpPr>
+          <p:cNvPr id="3" name="内容占位符 2"/>
+          <p:cNvSpPr>
+            <a:spLocks noGrp="1"/>
+          </p:cNvSpPr>
+          <p:nvPr>
+            <p:ph idx="1"/>
+          </p:nvPr>
+        </p:nvSpPr>
+        <p:spPr/>
+        <p:txBody>
+          <a:bodyPr/>
+          <a:lstStyle/>
+          <a:p>
+            <a:endParaRPr lang="zh-CN" altLang="en-US"/>
+          </a:p>
+        </p:txBody>
+      </p:sp>
+    </p:spTree>
+  </p:cSld>
+  <p:clrMapOvr>
+    <a:masterClrMapping/>
+  </p:clrMapOvr>
+</p:sld>
+</file>
+
+<file path=ppt/slides/slide13.xml><?xml version="1.0" encoding="utf-8"?>
+<p:sld xmlns:a="http://schemas.openxmlformats.org/drawingml/2006/main" xmlns:r="http://schemas.openxmlformats.org/officeDocument/2006/relationships" xmlns:p="http://schemas.openxmlformats.org/presentationml/2006/main">
+  <p:cSld>
+    <p:spTree>
+      <p:nvGrpSpPr>
+        <p:cNvPr id="1" name=""/>
+        <p:cNvGrpSpPr/>
+        <p:nvPr/>
+      </p:nvGrpSpPr>
+      <p:grpSpPr>
+        <a:xfrm>
+          <a:off x="0" y="0"/>
+          <a:ext cx="0" cy="0"/>
+          <a:chOff x="0" y="0"/>
+          <a:chExt cx="0" cy="0"/>
+        </a:xfrm>
+      </p:grpSpPr>
+      <p:sp>
+        <p:nvSpPr>
+          <p:cNvPr id="2" name="标题 1"/>
+          <p:cNvSpPr>
+            <a:spLocks noGrp="1"/>
+          </p:cNvSpPr>
+          <p:nvPr>
+            <p:ph type="title"/>
+          </p:nvPr>
+        </p:nvSpPr>
+        <p:spPr/>
+        <p:txBody>
+          <a:bodyPr/>
+          <a:lstStyle/>
+          <a:p>
+            <a:pPr algn="l"/>
+            <a:r>
+              <a:rPr lang="zh-CN" altLang="en-US" dirty="0" smtClean="0"/>
+              <a:t>泛型</a:t>
+            </a:r>
+            <a:endParaRPr lang="zh-CN" altLang="en-US" dirty="0"/>
+          </a:p>
+        </p:txBody>
+      </p:sp>
+      <p:sp>
+        <p:nvSpPr>
+          <p:cNvPr id="3" name="内容占位符 2"/>
+          <p:cNvSpPr>
+            <a:spLocks noGrp="1"/>
+          </p:cNvSpPr>
+          <p:nvPr>
+            <p:ph idx="1"/>
+          </p:nvPr>
+        </p:nvSpPr>
+        <p:spPr/>
+        <p:txBody>
+          <a:bodyPr/>
+          <a:lstStyle/>
+          <a:p>
+            <a:endParaRPr lang="zh-CN" altLang="en-US"/>
+          </a:p>
+        </p:txBody>
+      </p:sp>
+    </p:spTree>
+  </p:cSld>
+  <p:clrMapOvr>
+    <a:masterClrMapping/>
+  </p:clrMapOvr>
+</p:sld>
+</file>
+
+<file path=ppt/slides/slide14.xml><?xml version="1.0" encoding="utf-8"?>
+<p:sld xmlns:a="http://schemas.openxmlformats.org/drawingml/2006/main" xmlns:r="http://schemas.openxmlformats.org/officeDocument/2006/relationships" xmlns:p="http://schemas.openxmlformats.org/presentationml/2006/main">
+  <p:cSld>
+    <p:spTree>
+      <p:nvGrpSpPr>
+        <p:cNvPr id="1" name=""/>
+        <p:cNvGrpSpPr/>
+        <p:nvPr/>
+      </p:nvGrpSpPr>
+      <p:grpSpPr>
+        <a:xfrm>
+          <a:off x="0" y="0"/>
+          <a:ext cx="0" cy="0"/>
+          <a:chOff x="0" y="0"/>
+          <a:chExt cx="0" cy="0"/>
+        </a:xfrm>
+      </p:grpSpPr>
+      <p:sp>
+        <p:nvSpPr>
+          <p:cNvPr id="2" name="标题 1"/>
+          <p:cNvSpPr>
+            <a:spLocks noGrp="1"/>
+          </p:cNvSpPr>
+          <p:nvPr>
+            <p:ph type="title"/>
+          </p:nvPr>
+        </p:nvSpPr>
+        <p:spPr/>
+        <p:txBody>
+          <a:bodyPr/>
+          <a:lstStyle/>
+          <a:p>
+            <a:pPr algn="l"/>
+            <a:r>
+              <a:rPr lang="zh-CN" altLang="en-US" dirty="0" smtClean="0"/>
+              <a:t>基本类型</a:t>
+            </a:r>
+            <a:endParaRPr lang="zh-CN" altLang="en-US" dirty="0"/>
+          </a:p>
+        </p:txBody>
+      </p:sp>
+      <p:sp>
+        <p:nvSpPr>
+          <p:cNvPr id="3" name="内容占位符 2"/>
+          <p:cNvSpPr>
+            <a:spLocks noGrp="1"/>
+          </p:cNvSpPr>
+          <p:nvPr>
+            <p:ph idx="1"/>
+          </p:nvPr>
+        </p:nvSpPr>
+        <p:spPr/>
+        <p:txBody>
+          <a:bodyPr/>
+          <a:lstStyle/>
+          <a:p>
+            <a:endParaRPr lang="zh-CN" altLang="en-US"/>
+          </a:p>
+        </p:txBody>
+      </p:sp>
+    </p:spTree>
+  </p:cSld>
+  <p:clrMapOvr>
+    <a:masterClrMapping/>
+  </p:clrMapOvr>
+</p:sld>
+</file>
+
+<file path=ppt/slides/slide15.xml><?xml version="1.0" encoding="utf-8"?>
+<p:sld xmlns:a="http://schemas.openxmlformats.org/drawingml/2006/main" xmlns:r="http://schemas.openxmlformats.org/officeDocument/2006/relationships" xmlns:p="http://schemas.openxmlformats.org/presentationml/2006/main">
+  <p:cSld>
+    <p:spTree>
+      <p:nvGrpSpPr>
+        <p:cNvPr id="1" name=""/>
+        <p:cNvGrpSpPr/>
+        <p:nvPr/>
+      </p:nvGrpSpPr>
+      <p:grpSpPr>
+        <a:xfrm>
+          <a:off x="0" y="0"/>
+          <a:ext cx="0" cy="0"/>
+          <a:chOff x="0" y="0"/>
+          <a:chExt cx="0" cy="0"/>
+        </a:xfrm>
+      </p:grpSpPr>
+      <p:sp>
+        <p:nvSpPr>
+          <p:cNvPr id="2" name="标题 1"/>
+          <p:cNvSpPr>
+            <a:spLocks noGrp="1"/>
+          </p:cNvSpPr>
+          <p:nvPr>
+            <p:ph type="title"/>
+          </p:nvPr>
+        </p:nvSpPr>
+        <p:spPr/>
+        <p:txBody>
+          <a:bodyPr/>
+          <a:lstStyle/>
+          <a:p>
+            <a:pPr algn="l"/>
+            <a:r>
+              <a:rPr lang="zh-CN" altLang="en-US" dirty="0" smtClean="0"/>
+              <a:t>异常处理</a:t>
+            </a:r>
+            <a:endParaRPr lang="zh-CN" altLang="en-US" dirty="0"/>
+          </a:p>
+        </p:txBody>
+      </p:sp>
+      <p:sp>
+        <p:nvSpPr>
+          <p:cNvPr id="3" name="内容占位符 2"/>
+          <p:cNvSpPr>
+            <a:spLocks noGrp="1"/>
+          </p:cNvSpPr>
+          <p:nvPr>
+            <p:ph idx="1"/>
+          </p:nvPr>
+        </p:nvSpPr>
+        <p:spPr/>
+        <p:txBody>
+          <a:bodyPr/>
+          <a:lstStyle/>
+          <a:p>
+            <a:endParaRPr lang="zh-CN" altLang="en-US"/>
+          </a:p>
+        </p:txBody>
+      </p:sp>
+    </p:spTree>
+  </p:cSld>
+  <p:clrMapOvr>
+    <a:masterClrMapping/>
+  </p:clrMapOvr>
+</p:sld>
+</file>
+
 <file path=ppt/slides/slide2.xml><?xml version="1.0" encoding="utf-8"?>
 <p:sld xmlns:a="http://schemas.openxmlformats.org/drawingml/2006/main" xmlns:r="http://schemas.openxmlformats.org/officeDocument/2006/relationships" xmlns:p="http://schemas.openxmlformats.org/presentationml/2006/main">
   <p:cSld>
@@ -3164,11 +3583,7 @@
             </a:r>
             <a:r>
               <a:rPr lang="zh-CN" altLang="en-US" dirty="0" smtClean="0"/>
-              <a:t>整体开发</a:t>
-            </a:r>
-            <a:r>
-              <a:rPr lang="zh-CN" altLang="en-US" dirty="0" smtClean="0"/>
-              <a:t>框架</a:t>
+              <a:t>整体开发框架</a:t>
             </a:r>
             <a:endParaRPr lang="zh-CN" altLang="en-US" dirty="0"/>
           </a:p>
@@ -3342,15 +3757,7 @@
             </a:pPr>
             <a:r>
               <a:rPr lang="en-US" altLang="zh-CN" dirty="0" smtClean="0"/>
-              <a:t>https://</a:t>
-            </a:r>
-            <a:r>
-              <a:rPr lang="en-US" altLang="zh-CN" dirty="0" smtClean="0"/>
-              <a:t>docs.microsoft.com/zh-cn/dotnet/api</a:t>
-            </a:r>
-            <a:r>
-              <a:rPr lang="en-US" altLang="zh-CN" dirty="0" smtClean="0"/>
-              <a:t>/?view=netframework-4.7.2</a:t>
+              <a:t>https://docs.microsoft.com/zh-cn/dotnet/api/?view=netframework-4.7.2</a:t>
             </a:r>
             <a:endParaRPr lang="zh-CN" altLang="en-US" dirty="0"/>
           </a:p>
@@ -3474,6 +3881,346 @@
           <a:effectLst/>
         </p:spPr>
       </p:pic>
+    </p:spTree>
+  </p:cSld>
+  <p:clrMapOvr>
+    <a:masterClrMapping/>
+  </p:clrMapOvr>
+</p:sld>
+</file>
+
+<file path=ppt/slides/slide5.xml><?xml version="1.0" encoding="utf-8"?>
+<p:sld xmlns:a="http://schemas.openxmlformats.org/drawingml/2006/main" xmlns:r="http://schemas.openxmlformats.org/officeDocument/2006/relationships" xmlns:p="http://schemas.openxmlformats.org/presentationml/2006/main">
+  <p:cSld>
+    <p:spTree>
+      <p:nvGrpSpPr>
+        <p:cNvPr id="1" name=""/>
+        <p:cNvGrpSpPr/>
+        <p:nvPr/>
+      </p:nvGrpSpPr>
+      <p:grpSpPr>
+        <a:xfrm>
+          <a:off x="0" y="0"/>
+          <a:ext cx="0" cy="0"/>
+          <a:chOff x="0" y="0"/>
+          <a:chExt cx="0" cy="0"/>
+        </a:xfrm>
+      </p:grpSpPr>
+      <p:sp>
+        <p:nvSpPr>
+          <p:cNvPr id="2" name="标题 1"/>
+          <p:cNvSpPr>
+            <a:spLocks noGrp="1"/>
+          </p:cNvSpPr>
+          <p:nvPr>
+            <p:ph type="title"/>
+          </p:nvPr>
+        </p:nvSpPr>
+        <p:spPr/>
+        <p:txBody>
+          <a:bodyPr/>
+          <a:lstStyle/>
+          <a:p>
+            <a:pPr algn="l"/>
+            <a:r>
+              <a:rPr lang="zh-CN" altLang="en-US" dirty="0" smtClean="0"/>
+              <a:t>基本类型</a:t>
+            </a:r>
+            <a:endParaRPr lang="zh-CN" altLang="en-US" dirty="0"/>
+          </a:p>
+        </p:txBody>
+      </p:sp>
+      <p:sp>
+        <p:nvSpPr>
+          <p:cNvPr id="3" name="内容占位符 2"/>
+          <p:cNvSpPr>
+            <a:spLocks noGrp="1"/>
+          </p:cNvSpPr>
+          <p:nvPr>
+            <p:ph idx="1"/>
+          </p:nvPr>
+        </p:nvSpPr>
+        <p:spPr/>
+        <p:txBody>
+          <a:bodyPr/>
+          <a:lstStyle/>
+          <a:p>
+            <a:endParaRPr lang="zh-CN" altLang="en-US"/>
+          </a:p>
+        </p:txBody>
+      </p:sp>
+    </p:spTree>
+  </p:cSld>
+  <p:clrMapOvr>
+    <a:masterClrMapping/>
+  </p:clrMapOvr>
+</p:sld>
+</file>
+
+<file path=ppt/slides/slide6.xml><?xml version="1.0" encoding="utf-8"?>
+<p:sld xmlns:a="http://schemas.openxmlformats.org/drawingml/2006/main" xmlns:r="http://schemas.openxmlformats.org/officeDocument/2006/relationships" xmlns:p="http://schemas.openxmlformats.org/presentationml/2006/main">
+  <p:cSld>
+    <p:spTree>
+      <p:nvGrpSpPr>
+        <p:cNvPr id="1" name=""/>
+        <p:cNvGrpSpPr/>
+        <p:nvPr/>
+      </p:nvGrpSpPr>
+      <p:grpSpPr>
+        <a:xfrm>
+          <a:off x="0" y="0"/>
+          <a:ext cx="0" cy="0"/>
+          <a:chOff x="0" y="0"/>
+          <a:chExt cx="0" cy="0"/>
+        </a:xfrm>
+      </p:grpSpPr>
+      <p:sp>
+        <p:nvSpPr>
+          <p:cNvPr id="2" name="标题 1"/>
+          <p:cNvSpPr>
+            <a:spLocks noGrp="1"/>
+          </p:cNvSpPr>
+          <p:nvPr>
+            <p:ph type="title"/>
+          </p:nvPr>
+        </p:nvSpPr>
+        <p:spPr/>
+        <p:txBody>
+          <a:bodyPr/>
+          <a:lstStyle/>
+          <a:p>
+            <a:pPr algn="l"/>
+            <a:r>
+              <a:rPr lang="zh-CN" altLang="en-US" dirty="0" smtClean="0"/>
+              <a:t>定义一个类型</a:t>
+            </a:r>
+            <a:endParaRPr lang="zh-CN" altLang="en-US" dirty="0"/>
+          </a:p>
+        </p:txBody>
+      </p:sp>
+      <p:sp>
+        <p:nvSpPr>
+          <p:cNvPr id="3" name="内容占位符 2"/>
+          <p:cNvSpPr>
+            <a:spLocks noGrp="1"/>
+          </p:cNvSpPr>
+          <p:nvPr>
+            <p:ph idx="1"/>
+          </p:nvPr>
+        </p:nvSpPr>
+        <p:spPr/>
+        <p:txBody>
+          <a:bodyPr/>
+          <a:lstStyle/>
+          <a:p>
+            <a:endParaRPr lang="zh-CN" altLang="en-US"/>
+          </a:p>
+        </p:txBody>
+      </p:sp>
+    </p:spTree>
+  </p:cSld>
+  <p:clrMapOvr>
+    <a:masterClrMapping/>
+  </p:clrMapOvr>
+</p:sld>
+</file>
+
+<file path=ppt/slides/slide7.xml><?xml version="1.0" encoding="utf-8"?>
+<p:sld xmlns:a="http://schemas.openxmlformats.org/drawingml/2006/main" xmlns:r="http://schemas.openxmlformats.org/officeDocument/2006/relationships" xmlns:p="http://schemas.openxmlformats.org/presentationml/2006/main">
+  <p:cSld>
+    <p:spTree>
+      <p:nvGrpSpPr>
+        <p:cNvPr id="1" name=""/>
+        <p:cNvGrpSpPr/>
+        <p:nvPr/>
+      </p:nvGrpSpPr>
+      <p:grpSpPr>
+        <a:xfrm>
+          <a:off x="0" y="0"/>
+          <a:ext cx="0" cy="0"/>
+          <a:chOff x="0" y="0"/>
+          <a:chExt cx="0" cy="0"/>
+        </a:xfrm>
+      </p:grpSpPr>
+      <p:sp>
+        <p:nvSpPr>
+          <p:cNvPr id="2" name="标题 1"/>
+          <p:cNvSpPr>
+            <a:spLocks noGrp="1"/>
+          </p:cNvSpPr>
+          <p:nvPr>
+            <p:ph type="title"/>
+          </p:nvPr>
+        </p:nvSpPr>
+        <p:spPr/>
+        <p:txBody>
+          <a:bodyPr/>
+          <a:lstStyle/>
+          <a:p>
+            <a:pPr algn="l"/>
+            <a:r>
+              <a:rPr lang="zh-CN" altLang="en-US" dirty="0" smtClean="0"/>
+              <a:t>类型成员</a:t>
+            </a:r>
+            <a:endParaRPr lang="zh-CN" altLang="en-US" dirty="0"/>
+          </a:p>
+        </p:txBody>
+      </p:sp>
+      <p:sp>
+        <p:nvSpPr>
+          <p:cNvPr id="3" name="内容占位符 2"/>
+          <p:cNvSpPr>
+            <a:spLocks noGrp="1"/>
+          </p:cNvSpPr>
+          <p:nvPr>
+            <p:ph idx="1"/>
+          </p:nvPr>
+        </p:nvSpPr>
+        <p:spPr/>
+        <p:txBody>
+          <a:bodyPr/>
+          <a:lstStyle/>
+          <a:p>
+            <a:endParaRPr lang="zh-CN" altLang="en-US"/>
+          </a:p>
+        </p:txBody>
+      </p:sp>
+    </p:spTree>
+  </p:cSld>
+  <p:clrMapOvr>
+    <a:masterClrMapping/>
+  </p:clrMapOvr>
+</p:sld>
+</file>
+
+<file path=ppt/slides/slide8.xml><?xml version="1.0" encoding="utf-8"?>
+<p:sld xmlns:a="http://schemas.openxmlformats.org/drawingml/2006/main" xmlns:r="http://schemas.openxmlformats.org/officeDocument/2006/relationships" xmlns:p="http://schemas.openxmlformats.org/presentationml/2006/main">
+  <p:cSld>
+    <p:spTree>
+      <p:nvGrpSpPr>
+        <p:cNvPr id="1" name=""/>
+        <p:cNvGrpSpPr/>
+        <p:nvPr/>
+      </p:nvGrpSpPr>
+      <p:grpSpPr>
+        <a:xfrm>
+          <a:off x="0" y="0"/>
+          <a:ext cx="0" cy="0"/>
+          <a:chOff x="0" y="0"/>
+          <a:chExt cx="0" cy="0"/>
+        </a:xfrm>
+      </p:grpSpPr>
+      <p:sp>
+        <p:nvSpPr>
+          <p:cNvPr id="2" name="标题 1"/>
+          <p:cNvSpPr>
+            <a:spLocks noGrp="1"/>
+          </p:cNvSpPr>
+          <p:nvPr>
+            <p:ph type="title"/>
+          </p:nvPr>
+        </p:nvSpPr>
+        <p:spPr/>
+        <p:txBody>
+          <a:bodyPr/>
+          <a:lstStyle/>
+          <a:p>
+            <a:pPr algn="l"/>
+            <a:r>
+              <a:rPr lang="zh-CN" altLang="en-US" dirty="0" smtClean="0"/>
+              <a:t>方法</a:t>
+            </a:r>
+            <a:endParaRPr lang="zh-CN" altLang="en-US" dirty="0"/>
+          </a:p>
+        </p:txBody>
+      </p:sp>
+      <p:sp>
+        <p:nvSpPr>
+          <p:cNvPr id="3" name="内容占位符 2"/>
+          <p:cNvSpPr>
+            <a:spLocks noGrp="1"/>
+          </p:cNvSpPr>
+          <p:nvPr>
+            <p:ph idx="1"/>
+          </p:nvPr>
+        </p:nvSpPr>
+        <p:spPr/>
+        <p:txBody>
+          <a:bodyPr/>
+          <a:lstStyle/>
+          <a:p>
+            <a:endParaRPr lang="zh-CN" altLang="en-US"/>
+          </a:p>
+        </p:txBody>
+      </p:sp>
+    </p:spTree>
+  </p:cSld>
+  <p:clrMapOvr>
+    <a:masterClrMapping/>
+  </p:clrMapOvr>
+</p:sld>
+</file>
+
+<file path=ppt/slides/slide9.xml><?xml version="1.0" encoding="utf-8"?>
+<p:sld xmlns:a="http://schemas.openxmlformats.org/drawingml/2006/main" xmlns:r="http://schemas.openxmlformats.org/officeDocument/2006/relationships" xmlns:p="http://schemas.openxmlformats.org/presentationml/2006/main">
+  <p:cSld>
+    <p:spTree>
+      <p:nvGrpSpPr>
+        <p:cNvPr id="1" name=""/>
+        <p:cNvGrpSpPr/>
+        <p:nvPr/>
+      </p:nvGrpSpPr>
+      <p:grpSpPr>
+        <a:xfrm>
+          <a:off x="0" y="0"/>
+          <a:ext cx="0" cy="0"/>
+          <a:chOff x="0" y="0"/>
+          <a:chExt cx="0" cy="0"/>
+        </a:xfrm>
+      </p:grpSpPr>
+      <p:sp>
+        <p:nvSpPr>
+          <p:cNvPr id="2" name="标题 1"/>
+          <p:cNvSpPr>
+            <a:spLocks noGrp="1"/>
+          </p:cNvSpPr>
+          <p:nvPr>
+            <p:ph type="title"/>
+          </p:nvPr>
+        </p:nvSpPr>
+        <p:spPr/>
+        <p:txBody>
+          <a:bodyPr/>
+          <a:lstStyle/>
+          <a:p>
+            <a:pPr algn="l"/>
+            <a:r>
+              <a:rPr lang="zh-CN" altLang="en-US" dirty="0" smtClean="0"/>
+              <a:t>参数</a:t>
+            </a:r>
+            <a:endParaRPr lang="zh-CN" altLang="en-US" dirty="0"/>
+          </a:p>
+        </p:txBody>
+      </p:sp>
+      <p:sp>
+        <p:nvSpPr>
+          <p:cNvPr id="3" name="内容占位符 2"/>
+          <p:cNvSpPr>
+            <a:spLocks noGrp="1"/>
+          </p:cNvSpPr>
+          <p:nvPr>
+            <p:ph idx="1"/>
+          </p:nvPr>
+        </p:nvSpPr>
+        <p:spPr/>
+        <p:txBody>
+          <a:bodyPr/>
+          <a:lstStyle/>
+          <a:p>
+            <a:endParaRPr lang="zh-CN" altLang="en-US"/>
+          </a:p>
+        </p:txBody>
+      </p:sp>
     </p:spTree>
   </p:cSld>
   <p:clrMapOvr>

--- a/C#Basic/C#编程基础.pptx
+++ b/C#Basic/C#编程基础.pptx
@@ -10,16 +10,19 @@
     <p:sldId id="258" r:id="rId4"/>
     <p:sldId id="259" r:id="rId5"/>
     <p:sldId id="260" r:id="rId6"/>
-    <p:sldId id="261" r:id="rId7"/>
-    <p:sldId id="262" r:id="rId8"/>
-    <p:sldId id="263" r:id="rId9"/>
-    <p:sldId id="264" r:id="rId10"/>
-    <p:sldId id="265" r:id="rId11"/>
-    <p:sldId id="266" r:id="rId12"/>
-    <p:sldId id="267" r:id="rId13"/>
-    <p:sldId id="268" r:id="rId14"/>
-    <p:sldId id="269" r:id="rId15"/>
-    <p:sldId id="270" r:id="rId16"/>
+    <p:sldId id="271" r:id="rId7"/>
+    <p:sldId id="272" r:id="rId8"/>
+    <p:sldId id="273" r:id="rId9"/>
+    <p:sldId id="261" r:id="rId10"/>
+    <p:sldId id="262" r:id="rId11"/>
+    <p:sldId id="263" r:id="rId12"/>
+    <p:sldId id="264" r:id="rId13"/>
+    <p:sldId id="265" r:id="rId14"/>
+    <p:sldId id="266" r:id="rId15"/>
+    <p:sldId id="267" r:id="rId16"/>
+    <p:sldId id="268" r:id="rId17"/>
+    <p:sldId id="269" r:id="rId18"/>
+    <p:sldId id="270" r:id="rId19"/>
   </p:sldIdLst>
   <p:sldSz cx="9144000" cy="6858000" type="screen4x3"/>
   <p:notesSz cx="6858000" cy="9144000"/>
@@ -303,7 +306,7 @@
             <a:fld id="{530820CF-B880-4189-942D-D702A7CBA730}" type="datetimeFigureOut">
               <a:rPr lang="zh-CN" altLang="en-US" smtClean="0"/>
               <a:pPr/>
-              <a:t>2018/10/3</a:t>
+              <a:t>2018/10/4</a:t>
             </a:fld>
             <a:endParaRPr lang="zh-CN" altLang="en-US"/>
           </a:p>
@@ -470,7 +473,7 @@
             <a:fld id="{530820CF-B880-4189-942D-D702A7CBA730}" type="datetimeFigureOut">
               <a:rPr lang="zh-CN" altLang="en-US" smtClean="0"/>
               <a:pPr/>
-              <a:t>2018/10/3</a:t>
+              <a:t>2018/10/4</a:t>
             </a:fld>
             <a:endParaRPr lang="zh-CN" altLang="en-US"/>
           </a:p>
@@ -647,7 +650,7 @@
             <a:fld id="{530820CF-B880-4189-942D-D702A7CBA730}" type="datetimeFigureOut">
               <a:rPr lang="zh-CN" altLang="en-US" smtClean="0"/>
               <a:pPr/>
-              <a:t>2018/10/3</a:t>
+              <a:t>2018/10/4</a:t>
             </a:fld>
             <a:endParaRPr lang="zh-CN" altLang="en-US"/>
           </a:p>
@@ -814,7 +817,7 @@
             <a:fld id="{530820CF-B880-4189-942D-D702A7CBA730}" type="datetimeFigureOut">
               <a:rPr lang="zh-CN" altLang="en-US" smtClean="0"/>
               <a:pPr/>
-              <a:t>2018/10/3</a:t>
+              <a:t>2018/10/4</a:t>
             </a:fld>
             <a:endParaRPr lang="zh-CN" altLang="en-US"/>
           </a:p>
@@ -1057,7 +1060,7 @@
             <a:fld id="{530820CF-B880-4189-942D-D702A7CBA730}" type="datetimeFigureOut">
               <a:rPr lang="zh-CN" altLang="en-US" smtClean="0"/>
               <a:pPr/>
-              <a:t>2018/10/3</a:t>
+              <a:t>2018/10/4</a:t>
             </a:fld>
             <a:endParaRPr lang="zh-CN" altLang="en-US"/>
           </a:p>
@@ -1342,7 +1345,7 @@
             <a:fld id="{530820CF-B880-4189-942D-D702A7CBA730}" type="datetimeFigureOut">
               <a:rPr lang="zh-CN" altLang="en-US" smtClean="0"/>
               <a:pPr/>
-              <a:t>2018/10/3</a:t>
+              <a:t>2018/10/4</a:t>
             </a:fld>
             <a:endParaRPr lang="zh-CN" altLang="en-US"/>
           </a:p>
@@ -1761,7 +1764,7 @@
             <a:fld id="{530820CF-B880-4189-942D-D702A7CBA730}" type="datetimeFigureOut">
               <a:rPr lang="zh-CN" altLang="en-US" smtClean="0"/>
               <a:pPr/>
-              <a:t>2018/10/3</a:t>
+              <a:t>2018/10/4</a:t>
             </a:fld>
             <a:endParaRPr lang="zh-CN" altLang="en-US"/>
           </a:p>
@@ -1876,7 +1879,7 @@
             <a:fld id="{530820CF-B880-4189-942D-D702A7CBA730}" type="datetimeFigureOut">
               <a:rPr lang="zh-CN" altLang="en-US" smtClean="0"/>
               <a:pPr/>
-              <a:t>2018/10/3</a:t>
+              <a:t>2018/10/4</a:t>
             </a:fld>
             <a:endParaRPr lang="zh-CN" altLang="en-US"/>
           </a:p>
@@ -1968,7 +1971,7 @@
             <a:fld id="{530820CF-B880-4189-942D-D702A7CBA730}" type="datetimeFigureOut">
               <a:rPr lang="zh-CN" altLang="en-US" smtClean="0"/>
               <a:pPr/>
-              <a:t>2018/10/3</a:t>
+              <a:t>2018/10/4</a:t>
             </a:fld>
             <a:endParaRPr lang="zh-CN" altLang="en-US"/>
           </a:p>
@@ -2242,7 +2245,7 @@
             <a:fld id="{530820CF-B880-4189-942D-D702A7CBA730}" type="datetimeFigureOut">
               <a:rPr lang="zh-CN" altLang="en-US" smtClean="0"/>
               <a:pPr/>
-              <a:t>2018/10/3</a:t>
+              <a:t>2018/10/4</a:t>
             </a:fld>
             <a:endParaRPr lang="zh-CN" altLang="en-US"/>
           </a:p>
@@ -2492,7 +2495,7 @@
             <a:fld id="{530820CF-B880-4189-942D-D702A7CBA730}" type="datetimeFigureOut">
               <a:rPr lang="zh-CN" altLang="en-US" smtClean="0"/>
               <a:pPr/>
-              <a:t>2018/10/3</a:t>
+              <a:t>2018/10/4</a:t>
             </a:fld>
             <a:endParaRPr lang="zh-CN" altLang="en-US"/>
           </a:p>
@@ -2702,7 +2705,7 @@
             <a:fld id="{530820CF-B880-4189-942D-D702A7CBA730}" type="datetimeFigureOut">
               <a:rPr lang="zh-CN" altLang="en-US" smtClean="0"/>
               <a:pPr/>
-              <a:t>2018/10/3</a:t>
+              <a:t>2018/10/4</a:t>
             </a:fld>
             <a:endParaRPr lang="zh-CN" altLang="en-US"/>
           </a:p>
@@ -3171,7 +3174,7 @@
             <a:pPr algn="l"/>
             <a:r>
               <a:rPr lang="zh-CN" altLang="en-US" dirty="0" smtClean="0"/>
-              <a:t>属性</a:t>
+              <a:t>类型成员</a:t>
             </a:r>
             <a:endParaRPr lang="zh-CN" altLang="en-US" dirty="0"/>
           </a:p>
@@ -3239,7 +3242,7 @@
             <a:pPr algn="l"/>
             <a:r>
               <a:rPr lang="zh-CN" altLang="en-US" dirty="0" smtClean="0"/>
-              <a:t>事件</a:t>
+              <a:t>方法</a:t>
             </a:r>
             <a:endParaRPr lang="zh-CN" altLang="en-US" dirty="0"/>
           </a:p>
@@ -3307,7 +3310,7 @@
             <a:pPr algn="l"/>
             <a:r>
               <a:rPr lang="zh-CN" altLang="en-US" dirty="0" smtClean="0"/>
-              <a:t>接口</a:t>
+              <a:t>参数</a:t>
             </a:r>
             <a:endParaRPr lang="zh-CN" altLang="en-US" dirty="0"/>
           </a:p>
@@ -3375,7 +3378,7 @@
             <a:pPr algn="l"/>
             <a:r>
               <a:rPr lang="zh-CN" altLang="en-US" dirty="0" smtClean="0"/>
-              <a:t>泛型</a:t>
+              <a:t>属性</a:t>
             </a:r>
             <a:endParaRPr lang="zh-CN" altLang="en-US" dirty="0"/>
           </a:p>
@@ -3443,7 +3446,7 @@
             <a:pPr algn="l"/>
             <a:r>
               <a:rPr lang="zh-CN" altLang="en-US" dirty="0" smtClean="0"/>
-              <a:t>基本类型</a:t>
+              <a:t>事件</a:t>
             </a:r>
             <a:endParaRPr lang="zh-CN" altLang="en-US" dirty="0"/>
           </a:p>
@@ -3477,6 +3480,210 @@
 </file>
 
 <file path=ppt/slides/slide15.xml><?xml version="1.0" encoding="utf-8"?>
+<p:sld xmlns:a="http://schemas.openxmlformats.org/drawingml/2006/main" xmlns:r="http://schemas.openxmlformats.org/officeDocument/2006/relationships" xmlns:p="http://schemas.openxmlformats.org/presentationml/2006/main">
+  <p:cSld>
+    <p:spTree>
+      <p:nvGrpSpPr>
+        <p:cNvPr id="1" name=""/>
+        <p:cNvGrpSpPr/>
+        <p:nvPr/>
+      </p:nvGrpSpPr>
+      <p:grpSpPr>
+        <a:xfrm>
+          <a:off x="0" y="0"/>
+          <a:ext cx="0" cy="0"/>
+          <a:chOff x="0" y="0"/>
+          <a:chExt cx="0" cy="0"/>
+        </a:xfrm>
+      </p:grpSpPr>
+      <p:sp>
+        <p:nvSpPr>
+          <p:cNvPr id="2" name="标题 1"/>
+          <p:cNvSpPr>
+            <a:spLocks noGrp="1"/>
+          </p:cNvSpPr>
+          <p:nvPr>
+            <p:ph type="title"/>
+          </p:nvPr>
+        </p:nvSpPr>
+        <p:spPr/>
+        <p:txBody>
+          <a:bodyPr/>
+          <a:lstStyle/>
+          <a:p>
+            <a:pPr algn="l"/>
+            <a:r>
+              <a:rPr lang="zh-CN" altLang="en-US" dirty="0" smtClean="0"/>
+              <a:t>接口</a:t>
+            </a:r>
+            <a:endParaRPr lang="zh-CN" altLang="en-US" dirty="0"/>
+          </a:p>
+        </p:txBody>
+      </p:sp>
+      <p:sp>
+        <p:nvSpPr>
+          <p:cNvPr id="3" name="内容占位符 2"/>
+          <p:cNvSpPr>
+            <a:spLocks noGrp="1"/>
+          </p:cNvSpPr>
+          <p:nvPr>
+            <p:ph idx="1"/>
+          </p:nvPr>
+        </p:nvSpPr>
+        <p:spPr/>
+        <p:txBody>
+          <a:bodyPr/>
+          <a:lstStyle/>
+          <a:p>
+            <a:endParaRPr lang="zh-CN" altLang="en-US"/>
+          </a:p>
+        </p:txBody>
+      </p:sp>
+    </p:spTree>
+  </p:cSld>
+  <p:clrMapOvr>
+    <a:masterClrMapping/>
+  </p:clrMapOvr>
+</p:sld>
+</file>
+
+<file path=ppt/slides/slide16.xml><?xml version="1.0" encoding="utf-8"?>
+<p:sld xmlns:a="http://schemas.openxmlformats.org/drawingml/2006/main" xmlns:r="http://schemas.openxmlformats.org/officeDocument/2006/relationships" xmlns:p="http://schemas.openxmlformats.org/presentationml/2006/main">
+  <p:cSld>
+    <p:spTree>
+      <p:nvGrpSpPr>
+        <p:cNvPr id="1" name=""/>
+        <p:cNvGrpSpPr/>
+        <p:nvPr/>
+      </p:nvGrpSpPr>
+      <p:grpSpPr>
+        <a:xfrm>
+          <a:off x="0" y="0"/>
+          <a:ext cx="0" cy="0"/>
+          <a:chOff x="0" y="0"/>
+          <a:chExt cx="0" cy="0"/>
+        </a:xfrm>
+      </p:grpSpPr>
+      <p:sp>
+        <p:nvSpPr>
+          <p:cNvPr id="2" name="标题 1"/>
+          <p:cNvSpPr>
+            <a:spLocks noGrp="1"/>
+          </p:cNvSpPr>
+          <p:nvPr>
+            <p:ph type="title"/>
+          </p:nvPr>
+        </p:nvSpPr>
+        <p:spPr/>
+        <p:txBody>
+          <a:bodyPr/>
+          <a:lstStyle/>
+          <a:p>
+            <a:pPr algn="l"/>
+            <a:r>
+              <a:rPr lang="zh-CN" altLang="en-US" dirty="0" smtClean="0"/>
+              <a:t>泛型</a:t>
+            </a:r>
+            <a:endParaRPr lang="zh-CN" altLang="en-US" dirty="0"/>
+          </a:p>
+        </p:txBody>
+      </p:sp>
+      <p:sp>
+        <p:nvSpPr>
+          <p:cNvPr id="3" name="内容占位符 2"/>
+          <p:cNvSpPr>
+            <a:spLocks noGrp="1"/>
+          </p:cNvSpPr>
+          <p:nvPr>
+            <p:ph idx="1"/>
+          </p:nvPr>
+        </p:nvSpPr>
+        <p:spPr/>
+        <p:txBody>
+          <a:bodyPr/>
+          <a:lstStyle/>
+          <a:p>
+            <a:endParaRPr lang="zh-CN" altLang="en-US"/>
+          </a:p>
+        </p:txBody>
+      </p:sp>
+    </p:spTree>
+  </p:cSld>
+  <p:clrMapOvr>
+    <a:masterClrMapping/>
+  </p:clrMapOvr>
+</p:sld>
+</file>
+
+<file path=ppt/slides/slide17.xml><?xml version="1.0" encoding="utf-8"?>
+<p:sld xmlns:a="http://schemas.openxmlformats.org/drawingml/2006/main" xmlns:r="http://schemas.openxmlformats.org/officeDocument/2006/relationships" xmlns:p="http://schemas.openxmlformats.org/presentationml/2006/main">
+  <p:cSld>
+    <p:spTree>
+      <p:nvGrpSpPr>
+        <p:cNvPr id="1" name=""/>
+        <p:cNvGrpSpPr/>
+        <p:nvPr/>
+      </p:nvGrpSpPr>
+      <p:grpSpPr>
+        <a:xfrm>
+          <a:off x="0" y="0"/>
+          <a:ext cx="0" cy="0"/>
+          <a:chOff x="0" y="0"/>
+          <a:chExt cx="0" cy="0"/>
+        </a:xfrm>
+      </p:grpSpPr>
+      <p:sp>
+        <p:nvSpPr>
+          <p:cNvPr id="2" name="标题 1"/>
+          <p:cNvSpPr>
+            <a:spLocks noGrp="1"/>
+          </p:cNvSpPr>
+          <p:nvPr>
+            <p:ph type="title"/>
+          </p:nvPr>
+        </p:nvSpPr>
+        <p:spPr/>
+        <p:txBody>
+          <a:bodyPr/>
+          <a:lstStyle/>
+          <a:p>
+            <a:pPr algn="l"/>
+            <a:r>
+              <a:rPr lang="zh-CN" altLang="en-US" dirty="0" smtClean="0"/>
+              <a:t>基本类型</a:t>
+            </a:r>
+            <a:endParaRPr lang="zh-CN" altLang="en-US" dirty="0"/>
+          </a:p>
+        </p:txBody>
+      </p:sp>
+      <p:sp>
+        <p:nvSpPr>
+          <p:cNvPr id="3" name="内容占位符 2"/>
+          <p:cNvSpPr>
+            <a:spLocks noGrp="1"/>
+          </p:cNvSpPr>
+          <p:nvPr>
+            <p:ph idx="1"/>
+          </p:nvPr>
+        </p:nvSpPr>
+        <p:spPr/>
+        <p:txBody>
+          <a:bodyPr/>
+          <a:lstStyle/>
+          <a:p>
+            <a:endParaRPr lang="zh-CN" altLang="en-US"/>
+          </a:p>
+        </p:txBody>
+      </p:sp>
+    </p:spTree>
+  </p:cSld>
+  <p:clrMapOvr>
+    <a:masterClrMapping/>
+  </p:clrMapOvr>
+</p:sld>
+</file>
+
+<file path=ppt/slides/slide18.xml><?xml version="1.0" encoding="utf-8"?>
 <p:sld xmlns:a="http://schemas.openxmlformats.org/drawingml/2006/main" xmlns:r="http://schemas.openxmlformats.org/officeDocument/2006/relationships" xmlns:p="http://schemas.openxmlformats.org/presentationml/2006/main">
   <p:cSld>
     <p:spTree>
@@ -3924,7 +4131,7 @@
             <a:pPr algn="l"/>
             <a:r>
               <a:rPr lang="zh-CN" altLang="en-US" dirty="0" smtClean="0"/>
-              <a:t>基本类型</a:t>
+              <a:t>类型基础</a:t>
             </a:r>
             <a:endParaRPr lang="zh-CN" altLang="en-US" dirty="0"/>
           </a:p>
@@ -3945,7 +4152,11 @@
           <a:bodyPr/>
           <a:lstStyle/>
           <a:p>
-            <a:endParaRPr lang="zh-CN" altLang="en-US"/>
+            <a:r>
+              <a:rPr lang="en-US" altLang="zh-CN" dirty="0" smtClean="0"/>
+              <a:t>object</a:t>
+            </a:r>
+            <a:endParaRPr lang="zh-CN" altLang="en-US" dirty="0"/>
           </a:p>
         </p:txBody>
       </p:sp>
@@ -3991,29 +4202,56 @@
           <a:p>
             <a:pPr algn="l"/>
             <a:r>
+              <a:rPr lang="en-US" altLang="zh-CN" dirty="0" smtClean="0"/>
+              <a:t>object</a:t>
+            </a:r>
+            <a:endParaRPr lang="zh-CN" altLang="en-US" dirty="0"/>
+          </a:p>
+        </p:txBody>
+      </p:sp>
+      <p:sp>
+        <p:nvSpPr>
+          <p:cNvPr id="3" name="内容占位符 2"/>
+          <p:cNvSpPr>
+            <a:spLocks noGrp="1"/>
+          </p:cNvSpPr>
+          <p:nvPr>
+            <p:ph idx="1"/>
+          </p:nvPr>
+        </p:nvSpPr>
+        <p:spPr/>
+        <p:txBody>
+          <a:bodyPr/>
+          <a:lstStyle/>
+          <a:p>
+            <a:r>
               <a:rPr lang="zh-CN" altLang="en-US" dirty="0" smtClean="0"/>
-              <a:t>定义一个类型</a:t>
+              <a:t>所有类型都是由</a:t>
+            </a:r>
+            <a:r>
+              <a:rPr lang="en-US" altLang="zh-CN" dirty="0" smtClean="0"/>
+              <a:t>object</a:t>
+            </a:r>
+            <a:r>
+              <a:rPr lang="zh-CN" altLang="en-US" dirty="0" smtClean="0"/>
+              <a:t>派生得到。</a:t>
+            </a:r>
+            <a:endParaRPr lang="en-US" altLang="zh-CN" dirty="0" smtClean="0"/>
+          </a:p>
+          <a:p>
+            <a:r>
+              <a:rPr lang="zh-CN" altLang="en-US" dirty="0" smtClean="0"/>
+              <a:t>应用类型可以重载部分</a:t>
+            </a:r>
+            <a:r>
+              <a:rPr lang="en-US" altLang="zh-CN" dirty="0" smtClean="0"/>
+              <a:t>object</a:t>
+            </a:r>
+            <a:r>
+              <a:rPr lang="zh-CN" altLang="en-US" dirty="0" smtClean="0"/>
+              <a:t>方法，便于后续开发。</a:t>
             </a:r>
             <a:endParaRPr lang="zh-CN" altLang="en-US" dirty="0"/>
-          </a:p>
-        </p:txBody>
-      </p:sp>
-      <p:sp>
-        <p:nvSpPr>
-          <p:cNvPr id="3" name="内容占位符 2"/>
-          <p:cNvSpPr>
-            <a:spLocks noGrp="1"/>
-          </p:cNvSpPr>
-          <p:nvPr>
-            <p:ph idx="1"/>
-          </p:nvPr>
-        </p:nvSpPr>
-        <p:spPr/>
-        <p:txBody>
-          <a:bodyPr/>
-          <a:lstStyle/>
-          <a:p>
-            <a:endParaRPr lang="zh-CN" altLang="en-US"/>
           </a:p>
         </p:txBody>
       </p:sp>
@@ -4059,8 +4297,12 @@
           <a:p>
             <a:pPr algn="l"/>
             <a:r>
+              <a:rPr lang="en-US" altLang="zh-CN" dirty="0" smtClean="0"/>
+              <a:t>object</a:t>
+            </a:r>
+            <a:r>
               <a:rPr lang="zh-CN" altLang="en-US" dirty="0" smtClean="0"/>
-              <a:t>类型成员</a:t>
+              <a:t>常用方法</a:t>
             </a:r>
             <a:endParaRPr lang="zh-CN" altLang="en-US" dirty="0"/>
           </a:p>
@@ -4078,10 +4320,191 @@
         </p:nvSpPr>
         <p:spPr/>
         <p:txBody>
-          <a:bodyPr/>
-          <a:lstStyle/>
-          <a:p>
-            <a:endParaRPr lang="zh-CN" altLang="en-US"/>
+          <a:bodyPr>
+            <a:normAutofit fontScale="55000" lnSpcReduction="20000"/>
+          </a:bodyPr>
+          <a:lstStyle/>
+          <a:p>
+            <a:r>
+              <a:rPr lang="zh-CN" altLang="en-US" dirty="0" smtClean="0"/>
+              <a:t>重载</a:t>
+            </a:r>
+            <a:r>
+              <a:rPr lang="en-US" altLang="zh-CN" dirty="0" err="1" smtClean="0"/>
+              <a:t>ToString</a:t>
+            </a:r>
+            <a:r>
+              <a:rPr lang="zh-CN" altLang="en-US" dirty="0" smtClean="0"/>
+              <a:t>可以：</a:t>
+            </a:r>
+            <a:endParaRPr lang="en-US" altLang="zh-CN" dirty="0" smtClean="0"/>
+          </a:p>
+          <a:p>
+            <a:pPr lvl="1"/>
+            <a:r>
+              <a:rPr lang="zh-CN" altLang="en-US" dirty="0" smtClean="0"/>
+              <a:t>便于记录</a:t>
+            </a:r>
+            <a:r>
+              <a:rPr lang="en-US" altLang="zh-CN" dirty="0" smtClean="0"/>
+              <a:t>Trace</a:t>
+            </a:r>
+          </a:p>
+          <a:p>
+            <a:pPr lvl="1"/>
+            <a:r>
+              <a:rPr lang="zh-CN" altLang="en-US" dirty="0" smtClean="0"/>
+              <a:t>调试环境下，可以直接看到对象的内部状态</a:t>
+            </a:r>
+            <a:endParaRPr lang="en-US" altLang="zh-CN" dirty="0" smtClean="0"/>
+          </a:p>
+          <a:p>
+            <a:r>
+              <a:rPr lang="zh-CN" altLang="en-US" dirty="0" smtClean="0"/>
+              <a:t>示例：</a:t>
+            </a:r>
+            <a:endParaRPr lang="en-US" altLang="zh-CN" dirty="0" smtClean="0"/>
+          </a:p>
+          <a:p>
+            <a:pPr>
+              <a:buNone/>
+            </a:pPr>
+            <a:r>
+              <a:rPr lang="en-US" altLang="zh-CN" dirty="0" smtClean="0"/>
+              <a:t>public </a:t>
+            </a:r>
+            <a:r>
+              <a:rPr lang="en-US" altLang="zh-CN" dirty="0" smtClean="0"/>
+              <a:t>class Parameter</a:t>
+            </a:r>
+          </a:p>
+          <a:p>
+            <a:pPr>
+              <a:buNone/>
+            </a:pPr>
+            <a:r>
+              <a:rPr lang="en-US" altLang="zh-CN" dirty="0" smtClean="0"/>
+              <a:t>{</a:t>
+            </a:r>
+          </a:p>
+          <a:p>
+            <a:pPr>
+              <a:buNone/>
+            </a:pPr>
+            <a:r>
+              <a:rPr lang="en-US" altLang="zh-CN" dirty="0" smtClean="0"/>
+              <a:t>    public override string </a:t>
+            </a:r>
+            <a:r>
+              <a:rPr lang="en-US" altLang="zh-CN" dirty="0" err="1" smtClean="0"/>
+              <a:t>ToString</a:t>
+            </a:r>
+            <a:r>
+              <a:rPr lang="en-US" altLang="zh-CN" dirty="0" smtClean="0"/>
+              <a:t>()</a:t>
+            </a:r>
+          </a:p>
+          <a:p>
+            <a:pPr>
+              <a:buNone/>
+            </a:pPr>
+            <a:r>
+              <a:rPr lang="en-US" altLang="zh-CN" dirty="0" smtClean="0"/>
+              <a:t>    {</a:t>
+            </a:r>
+          </a:p>
+          <a:p>
+            <a:pPr>
+              <a:buNone/>
+            </a:pPr>
+            <a:r>
+              <a:rPr lang="en-US" altLang="zh-CN" dirty="0" smtClean="0"/>
+              <a:t>        return </a:t>
+            </a:r>
+            <a:r>
+              <a:rPr lang="en-US" altLang="zh-CN" dirty="0" err="1" smtClean="0"/>
+              <a:t>string.Format</a:t>
+            </a:r>
+            <a:r>
+              <a:rPr lang="en-US" altLang="zh-CN" dirty="0" smtClean="0"/>
+              <a:t>(</a:t>
+            </a:r>
+          </a:p>
+          <a:p>
+            <a:pPr>
+              <a:buNone/>
+            </a:pPr>
+            <a:r>
+              <a:rPr lang="en-US" altLang="zh-CN" dirty="0" smtClean="0"/>
+              <a:t>            </a:t>
+            </a:r>
+            <a:r>
+              <a:rPr lang="en-US" altLang="zh-CN" dirty="0" err="1" smtClean="0"/>
+              <a:t>CultureInfo.CurrentCulture</a:t>
+            </a:r>
+            <a:r>
+              <a:rPr lang="en-US" altLang="zh-CN" dirty="0" smtClean="0"/>
+              <a:t>, </a:t>
+            </a:r>
+          </a:p>
+          <a:p>
+            <a:pPr>
+              <a:buNone/>
+            </a:pPr>
+            <a:r>
+              <a:rPr lang="en-US" altLang="zh-CN" dirty="0" smtClean="0"/>
+              <a:t>            "Parameter(name={0}, result={1}, unit={2})", </a:t>
+            </a:r>
+          </a:p>
+          <a:p>
+            <a:pPr>
+              <a:buNone/>
+            </a:pPr>
+            <a:r>
+              <a:rPr lang="en-US" altLang="zh-CN" dirty="0" smtClean="0"/>
+              <a:t>            this.name, </a:t>
+            </a:r>
+            <a:r>
+              <a:rPr lang="en-US" altLang="zh-CN" dirty="0" err="1" smtClean="0"/>
+              <a:t>this.result</a:t>
+            </a:r>
+            <a:r>
+              <a:rPr lang="en-US" altLang="zh-CN" dirty="0" smtClean="0"/>
+              <a:t>, </a:t>
+            </a:r>
+            <a:r>
+              <a:rPr lang="en-US" altLang="zh-CN" dirty="0" err="1" smtClean="0"/>
+              <a:t>this.unit</a:t>
+            </a:r>
+            <a:endParaRPr lang="en-US" altLang="zh-CN" dirty="0" smtClean="0"/>
+          </a:p>
+          <a:p>
+            <a:pPr>
+              <a:buNone/>
+            </a:pPr>
+            <a:r>
+              <a:rPr lang="en-US" altLang="zh-CN" dirty="0" smtClean="0"/>
+              <a:t>            );</a:t>
+            </a:r>
+          </a:p>
+          <a:p>
+            <a:pPr>
+              <a:buNone/>
+            </a:pPr>
+            <a:r>
+              <a:rPr lang="en-US" altLang="zh-CN" dirty="0" smtClean="0"/>
+              <a:t>    }</a:t>
+            </a:r>
+          </a:p>
+          <a:p>
+            <a:pPr>
+              <a:buNone/>
+            </a:pPr>
+            <a:r>
+              <a:rPr lang="en-US" altLang="zh-CN" dirty="0" smtClean="0"/>
+              <a:t>}</a:t>
+            </a:r>
+            <a:endParaRPr lang="zh-CN" altLang="en-US" dirty="0"/>
           </a:p>
         </p:txBody>
       </p:sp>
@@ -4090,6 +4513,13 @@
   <p:clrMapOvr>
     <a:masterClrMapping/>
   </p:clrMapOvr>
+  <p:timing>
+    <p:tnLst>
+      <p:par>
+        <p:cTn id="1" dur="indefinite" restart="never" nodeType="tmRoot"/>
+      </p:par>
+    </p:tnLst>
+  </p:timing>
 </p:sld>
 </file>
 
@@ -4127,8 +4557,16 @@
           <a:p>
             <a:pPr algn="l"/>
             <a:r>
+              <a:rPr lang="en-US" altLang="zh-CN" smtClean="0"/>
+              <a:t>o</a:t>
+            </a:r>
+            <a:r>
+              <a:rPr lang="en-US" altLang="zh-CN" smtClean="0"/>
+              <a:t>bject</a:t>
+            </a:r>
+            <a:r>
               <a:rPr lang="zh-CN" altLang="en-US" dirty="0" smtClean="0"/>
-              <a:t>方法</a:t>
+              <a:t>常用方法</a:t>
             </a:r>
             <a:endParaRPr lang="zh-CN" altLang="en-US" dirty="0"/>
           </a:p>
@@ -4158,6 +4596,13 @@
   <p:clrMapOvr>
     <a:masterClrMapping/>
   </p:clrMapOvr>
+  <p:timing>
+    <p:tnLst>
+      <p:par>
+        <p:cTn id="1" dur="indefinite" restart="never" nodeType="tmRoot"/>
+      </p:par>
+    </p:tnLst>
+  </p:timing>
 </p:sld>
 </file>
 
@@ -4196,7 +4641,7 @@
             <a:pPr algn="l"/>
             <a:r>
               <a:rPr lang="zh-CN" altLang="en-US" dirty="0" smtClean="0"/>
-              <a:t>参数</a:t>
+              <a:t>定义一个类型</a:t>
             </a:r>
             <a:endParaRPr lang="zh-CN" altLang="en-US" dirty="0"/>
           </a:p>
